--- a/mos2/mos2_1/note.pptx
+++ b/mos2/mos2_1/note.pptx
@@ -5,16 +5,18 @@
     <p:sldMasterId id="2147483648" r:id="rId1"/>
   </p:sldMasterIdLst>
   <p:notesMasterIdLst>
-    <p:notesMasterId r:id="rId9"/>
+    <p:notesMasterId r:id="rId11"/>
   </p:notesMasterIdLst>
   <p:sldIdLst>
     <p:sldId id="256" r:id="rId2"/>
     <p:sldId id="303" r:id="rId3"/>
-    <p:sldId id="324" r:id="rId4"/>
-    <p:sldId id="325" r:id="rId5"/>
-    <p:sldId id="326" r:id="rId6"/>
-    <p:sldId id="327" r:id="rId7"/>
-    <p:sldId id="275" r:id="rId8"/>
+    <p:sldId id="328" r:id="rId4"/>
+    <p:sldId id="324" r:id="rId5"/>
+    <p:sldId id="325" r:id="rId6"/>
+    <p:sldId id="326" r:id="rId7"/>
+    <p:sldId id="327" r:id="rId8"/>
+    <p:sldId id="329" r:id="rId9"/>
+    <p:sldId id="275" r:id="rId10"/>
   </p:sldIdLst>
   <p:sldSz cx="9144000" cy="5143500" type="screen16x9"/>
   <p:notesSz cx="6858000" cy="9144000"/>
@@ -288,7 +290,7 @@
       </p15:sldGuideLst>
     </p:ext>
     <p:ext uri="GoogleSlidesCustomDataVersion2">
-      <go:slidesCustomData xmlns="" xmlns:mc="http://schemas.openxmlformats.org/markup-compatibility/2006" xmlns:mv="urn:schemas-microsoft-com:mac:vml" xmlns:c="http://schemas.openxmlformats.org/drawingml/2006/chart" xmlns:dgm="http://schemas.openxmlformats.org/drawingml/2006/diagram" xmlns:o="urn:schemas-microsoft-com:office:office" xmlns:v="urn:schemas-microsoft-com:vml" xmlns:pvml="urn:schemas-microsoft-com:office:powerpoint" xmlns:com="http://schemas.openxmlformats.org/drawingml/2006/compatibility" xmlns:p14="http://schemas.microsoft.com/office/powerpoint/2010/main" xmlns:p15="http://schemas.microsoft.com/office/powerpoint/2012/main" xmlns:ahyp="http://schemas.microsoft.com/office/drawing/2018/hyperlinkcolor" xmlns:go="http://customooxmlschemas.google.com/" r:id="rId27" roundtripDataSignature="AMtx7mgRJqxr4vJqNwkYwm99PgZ4bkPvxw=="/>
+      <go:slidesCustomData xmlns:go="http://customooxmlschemas.google.com/" xmlns:ahyp="http://schemas.microsoft.com/office/drawing/2018/hyperlinkcolor" xmlns:p15="http://schemas.microsoft.com/office/powerpoint/2012/main" xmlns:p14="http://schemas.microsoft.com/office/powerpoint/2010/main" xmlns:com="http://schemas.openxmlformats.org/drawingml/2006/compatibility" xmlns:pvml="urn:schemas-microsoft-com:office:powerpoint" xmlns:v="urn:schemas-microsoft-com:vml" xmlns:o="urn:schemas-microsoft-com:office:office" xmlns:dgm="http://schemas.openxmlformats.org/drawingml/2006/diagram" xmlns:c="http://schemas.openxmlformats.org/drawingml/2006/chart" xmlns:mv="urn:schemas-microsoft-com:mac:vml" xmlns:mc="http://schemas.openxmlformats.org/markup-compatibility/2006" xmlns="" r:id="rId27" roundtripDataSignature="AMtx7mgRJqxr4vJqNwkYwm99PgZ4bkPvxw=="/>
     </p:ext>
   </p:extLst>
 </p:presentation>
@@ -8428,8 +8430,8 @@
         </p:blipFill>
         <p:spPr>
           <a:xfrm>
-            <a:off x="506334" y="102392"/>
-            <a:ext cx="7112000" cy="5003800"/>
+            <a:off x="498382" y="0"/>
+            <a:ext cx="7310558" cy="5143500"/>
           </a:xfrm>
           <a:prstGeom prst="rect">
             <a:avLst/>
@@ -8471,6 +8473,457 @@
           <p:cNvPr id="2" name="Title 1">
             <a:extLst>
               <a:ext uri="{FF2B5EF4-FFF2-40B4-BE49-F238E27FC236}">
+                <a16:creationId xmlns:a16="http://schemas.microsoft.com/office/drawing/2014/main" id="{33F700E9-FE36-4BF1-755F-79F47632E162}"/>
+              </a:ext>
+            </a:extLst>
+          </p:cNvPr>
+          <p:cNvSpPr>
+            <a:spLocks noGrp="1"/>
+          </p:cNvSpPr>
+          <p:nvPr>
+            <p:ph type="title"/>
+          </p:nvPr>
+        </p:nvSpPr>
+        <p:spPr/>
+        <p:txBody>
+          <a:bodyPr/>
+          <a:lstStyle/>
+          <a:p>
+            <a:r>
+              <a:rPr lang="en-TW" dirty="0"/>
+              <a:t>Key findings</a:t>
+            </a:r>
+          </a:p>
+        </p:txBody>
+      </p:sp>
+      <p:sp>
+        <p:nvSpPr>
+          <p:cNvPr id="3" name="Slide Number Placeholder 2">
+            <a:extLst>
+              <a:ext uri="{FF2B5EF4-FFF2-40B4-BE49-F238E27FC236}">
+                <a16:creationId xmlns:a16="http://schemas.microsoft.com/office/drawing/2014/main" id="{E72571A9-653E-981F-AB04-4A6915A8733F}"/>
+              </a:ext>
+            </a:extLst>
+          </p:cNvPr>
+          <p:cNvSpPr>
+            <a:spLocks noGrp="1"/>
+          </p:cNvSpPr>
+          <p:nvPr>
+            <p:ph type="sldNum" sz="quarter" idx="12"/>
+          </p:nvPr>
+        </p:nvSpPr>
+        <p:spPr/>
+        <p:txBody>
+          <a:bodyPr/>
+          <a:lstStyle/>
+          <a:p>
+            <a:fld id="{175AB40A-6F6A-5242-A6C9-9F9EE9C053B1}" type="slidenum">
+              <a:rPr lang="en-TW" smtClean="0"/>
+              <a:t>3</a:t>
+            </a:fld>
+            <a:endParaRPr lang="en-TW"/>
+          </a:p>
+        </p:txBody>
+      </p:sp>
+      <p:sp>
+        <p:nvSpPr>
+          <p:cNvPr id="5" name="TextBox 4">
+            <a:extLst>
+              <a:ext uri="{FF2B5EF4-FFF2-40B4-BE49-F238E27FC236}">
+                <a16:creationId xmlns:a16="http://schemas.microsoft.com/office/drawing/2014/main" id="{21D0C9FB-4409-055E-01F4-9521B4E3EA14}"/>
+              </a:ext>
+            </a:extLst>
+          </p:cNvPr>
+          <p:cNvSpPr txBox="1"/>
+          <p:nvPr/>
+        </p:nvSpPr>
+        <p:spPr>
+          <a:xfrm>
+            <a:off x="226662" y="851871"/>
+            <a:ext cx="6724328" cy="2462213"/>
+          </a:xfrm>
+          <a:prstGeom prst="rect">
+            <a:avLst/>
+          </a:prstGeom>
+          <a:noFill/>
+        </p:spPr>
+        <p:txBody>
+          <a:bodyPr wrap="square">
+            <a:spAutoFit/>
+          </a:bodyPr>
+          <a:lstStyle/>
+          <a:p>
+            <a:pPr marL="285750" indent="-285750" algn="l">
+              <a:buFont typeface="Arial" panose="020B0604020202020204" pitchFamily="34" charset="0"/>
+              <a:buChar char="•"/>
+            </a:pPr>
+            <a:r>
+              <a:rPr lang="en-US" b="0" i="0" dirty="0">
+                <a:solidFill>
+                  <a:schemeClr val="tx1"/>
+                </a:solidFill>
+                <a:effectLst/>
+                <a:latin typeface="Arial" panose="020B0604020202020204" pitchFamily="34" charset="0"/>
+                <a:cs typeface="Arial" panose="020B0604020202020204" pitchFamily="34" charset="0"/>
+              </a:rPr>
+              <a:t>At low V</a:t>
+            </a:r>
+            <a:r>
+              <a:rPr lang="en-US" b="0" i="0" baseline="-25000" dirty="0">
+                <a:solidFill>
+                  <a:schemeClr val="tx1"/>
+                </a:solidFill>
+                <a:effectLst/>
+                <a:latin typeface="Arial" panose="020B0604020202020204" pitchFamily="34" charset="0"/>
+                <a:cs typeface="Arial" panose="020B0604020202020204" pitchFamily="34" charset="0"/>
+              </a:rPr>
+              <a:t>DS</a:t>
+            </a:r>
+            <a:r>
+              <a:rPr lang="en-US" b="0" i="0" dirty="0">
+                <a:solidFill>
+                  <a:schemeClr val="tx1"/>
+                </a:solidFill>
+                <a:effectLst/>
+                <a:latin typeface="Arial" panose="020B0604020202020204" pitchFamily="34" charset="0"/>
+                <a:cs typeface="Arial" panose="020B0604020202020204" pitchFamily="34" charset="0"/>
+              </a:rPr>
+              <a:t>, conduction is ohmic; at higher V</a:t>
+            </a:r>
+            <a:r>
+              <a:rPr lang="en-US" b="0" i="0" baseline="-25000" dirty="0">
+                <a:solidFill>
+                  <a:schemeClr val="tx1"/>
+                </a:solidFill>
+                <a:effectLst/>
+                <a:latin typeface="Arial" panose="020B0604020202020204" pitchFamily="34" charset="0"/>
+                <a:cs typeface="Arial" panose="020B0604020202020204" pitchFamily="34" charset="0"/>
+              </a:rPr>
+              <a:t>DS</a:t>
+            </a:r>
+            <a:r>
+              <a:rPr lang="en-US" b="0" i="0" dirty="0">
+                <a:solidFill>
+                  <a:schemeClr val="tx1"/>
+                </a:solidFill>
+                <a:effectLst/>
+                <a:latin typeface="Arial" panose="020B0604020202020204" pitchFamily="34" charset="0"/>
+                <a:cs typeface="Arial" panose="020B0604020202020204" pitchFamily="34" charset="0"/>
+              </a:rPr>
+              <a:t>, it becomes SCLC</a:t>
+            </a:r>
+          </a:p>
+          <a:p>
+            <a:pPr marL="285750" indent="-285750" algn="l">
+              <a:buFont typeface="Arial" panose="020B0604020202020204" pitchFamily="34" charset="0"/>
+              <a:buChar char="•"/>
+            </a:pPr>
+            <a:r>
+              <a:rPr lang="en-US" b="0" i="0" dirty="0">
+                <a:solidFill>
+                  <a:schemeClr val="tx1"/>
+                </a:solidFill>
+                <a:effectLst/>
+                <a:latin typeface="Arial" panose="020B0604020202020204" pitchFamily="34" charset="0"/>
+                <a:cs typeface="Arial" panose="020B0604020202020204" pitchFamily="34" charset="0"/>
+              </a:rPr>
+              <a:t>The current follows I ∝ </a:t>
+            </a:r>
+            <a:r>
+              <a:rPr lang="en-US" b="0" i="0" dirty="0" err="1">
+                <a:solidFill>
+                  <a:schemeClr val="tx1"/>
+                </a:solidFill>
+                <a:effectLst/>
+                <a:latin typeface="Arial" panose="020B0604020202020204" pitchFamily="34" charset="0"/>
+                <a:cs typeface="Arial" panose="020B0604020202020204" pitchFamily="34" charset="0"/>
+              </a:rPr>
+              <a:t>V</a:t>
+            </a:r>
+            <a:r>
+              <a:rPr lang="en-US" b="0" i="0" baseline="30000" dirty="0" err="1">
+                <a:solidFill>
+                  <a:schemeClr val="tx1"/>
+                </a:solidFill>
+                <a:effectLst/>
+                <a:latin typeface="Arial" panose="020B0604020202020204" pitchFamily="34" charset="0"/>
+                <a:cs typeface="Arial" panose="020B0604020202020204" pitchFamily="34" charset="0"/>
+              </a:rPr>
+              <a:t>m</a:t>
+            </a:r>
+            <a:r>
+              <a:rPr lang="en-US" b="0" i="0" dirty="0">
+                <a:solidFill>
+                  <a:schemeClr val="tx1"/>
+                </a:solidFill>
+                <a:effectLst/>
+                <a:latin typeface="Arial" panose="020B0604020202020204" pitchFamily="34" charset="0"/>
+                <a:cs typeface="Arial" panose="020B0604020202020204" pitchFamily="34" charset="0"/>
+              </a:rPr>
+              <a:t>, with m ≈ 2 at room T, increasing as temperature decreases, consistent with exponential trap distribution</a:t>
+            </a:r>
+          </a:p>
+          <a:p>
+            <a:pPr marL="285750" indent="-285750" algn="l">
+              <a:buFont typeface="Arial" panose="020B0604020202020204" pitchFamily="34" charset="0"/>
+              <a:buChar char="•"/>
+            </a:pPr>
+            <a:r>
+              <a:rPr lang="en-US" b="0" i="0" dirty="0">
+                <a:solidFill>
+                  <a:schemeClr val="tx1"/>
+                </a:solidFill>
+                <a:effectLst/>
+                <a:latin typeface="Arial" panose="020B0604020202020204" pitchFamily="34" charset="0"/>
+                <a:cs typeface="Arial" panose="020B0604020202020204" pitchFamily="34" charset="0"/>
+              </a:rPr>
+              <a:t>A temperature-independent critical voltage </a:t>
+            </a:r>
+            <a:r>
+              <a:rPr lang="en-US" b="0" i="0" dirty="0" err="1">
+                <a:solidFill>
+                  <a:schemeClr val="tx1"/>
+                </a:solidFill>
+                <a:effectLst/>
+                <a:latin typeface="Arial" panose="020B0604020202020204" pitchFamily="34" charset="0"/>
+                <a:cs typeface="Arial" panose="020B0604020202020204" pitchFamily="34" charset="0"/>
+              </a:rPr>
+              <a:t>V</a:t>
+            </a:r>
+            <a:r>
+              <a:rPr lang="en-US" b="0" i="0" baseline="-25000" dirty="0" err="1">
+                <a:solidFill>
+                  <a:schemeClr val="tx1"/>
+                </a:solidFill>
+                <a:effectLst/>
+                <a:latin typeface="Arial" panose="020B0604020202020204" pitchFamily="34" charset="0"/>
+                <a:cs typeface="Arial" panose="020B0604020202020204" pitchFamily="34" charset="0"/>
+              </a:rPr>
+              <a:t>c</a:t>
+            </a:r>
+            <a:r>
+              <a:rPr lang="en-US" b="0" i="0" dirty="0">
+                <a:solidFill>
+                  <a:schemeClr val="tx1"/>
+                </a:solidFill>
+                <a:effectLst/>
+                <a:latin typeface="Arial" panose="020B0604020202020204" pitchFamily="34" charset="0"/>
+                <a:cs typeface="Arial" panose="020B0604020202020204" pitchFamily="34" charset="0"/>
+              </a:rPr>
+              <a:t> is observed, where I–V curves at different T intersect.</a:t>
+            </a:r>
+          </a:p>
+          <a:p>
+            <a:pPr marL="285750" indent="-285750" algn="l">
+              <a:buFont typeface="Arial" panose="020B0604020202020204" pitchFamily="34" charset="0"/>
+              <a:buChar char="•"/>
+            </a:pPr>
+            <a:r>
+              <a:rPr lang="en-US" b="0" i="0" dirty="0">
+                <a:solidFill>
+                  <a:schemeClr val="tx1"/>
+                </a:solidFill>
+                <a:effectLst/>
+                <a:latin typeface="Arial" panose="020B0604020202020204" pitchFamily="34" charset="0"/>
+                <a:cs typeface="Arial" panose="020B0604020202020204" pitchFamily="34" charset="0"/>
+              </a:rPr>
+              <a:t>From </a:t>
+            </a:r>
+            <a:r>
+              <a:rPr lang="en-US" b="0" i="0" dirty="0" err="1">
+                <a:solidFill>
+                  <a:schemeClr val="tx1"/>
+                </a:solidFill>
+                <a:effectLst/>
+                <a:latin typeface="Arial" panose="020B0604020202020204" pitchFamily="34" charset="0"/>
+                <a:cs typeface="Arial" panose="020B0604020202020204" pitchFamily="34" charset="0"/>
+              </a:rPr>
+              <a:t>V</a:t>
+            </a:r>
+            <a:r>
+              <a:rPr lang="en-US" b="0" i="0" baseline="-25000" dirty="0" err="1">
+                <a:solidFill>
+                  <a:schemeClr val="tx1"/>
+                </a:solidFill>
+                <a:effectLst/>
+                <a:latin typeface="Arial" panose="020B0604020202020204" pitchFamily="34" charset="0"/>
+                <a:cs typeface="Arial" panose="020B0604020202020204" pitchFamily="34" charset="0"/>
+              </a:rPr>
+              <a:t>c</a:t>
+            </a:r>
+            <a:r>
+              <a:rPr lang="en-US" b="0" i="0" dirty="0">
+                <a:solidFill>
+                  <a:schemeClr val="tx1"/>
+                </a:solidFill>
+                <a:effectLst/>
+                <a:latin typeface="Arial" panose="020B0604020202020204" pitchFamily="34" charset="0"/>
+                <a:cs typeface="Arial" panose="020B0604020202020204" pitchFamily="34" charset="0"/>
+              </a:rPr>
+              <a:t>, trap densities were quantified: Nt∼1.5 – 2.3×10</a:t>
+            </a:r>
+            <a:r>
+              <a:rPr lang="en-US" b="0" i="0" baseline="30000" dirty="0">
+                <a:solidFill>
+                  <a:schemeClr val="tx1"/>
+                </a:solidFill>
+                <a:effectLst/>
+                <a:latin typeface="Arial" panose="020B0604020202020204" pitchFamily="34" charset="0"/>
+                <a:cs typeface="Arial" panose="020B0604020202020204" pitchFamily="34" charset="0"/>
+              </a:rPr>
+              <a:t>17</a:t>
+            </a:r>
+            <a:r>
+              <a:rPr lang="en-US" b="0" i="0" dirty="0">
+                <a:solidFill>
+                  <a:schemeClr val="tx1"/>
+                </a:solidFill>
+                <a:effectLst/>
+                <a:latin typeface="Arial" panose="020B0604020202020204" pitchFamily="34" charset="0"/>
+                <a:cs typeface="Arial" panose="020B0604020202020204" pitchFamily="34" charset="0"/>
+              </a:rPr>
+              <a:t> cm</a:t>
+            </a:r>
+            <a:r>
+              <a:rPr lang="en-US" b="0" i="0" baseline="30000" dirty="0">
+                <a:solidFill>
+                  <a:schemeClr val="tx1"/>
+                </a:solidFill>
+                <a:effectLst/>
+                <a:latin typeface="Arial" panose="020B0604020202020204" pitchFamily="34" charset="0"/>
+                <a:cs typeface="Arial" panose="020B0604020202020204" pitchFamily="34" charset="0"/>
+              </a:rPr>
+              <a:t>−3</a:t>
+            </a:r>
+            <a:endParaRPr lang="en-US" b="0" i="0" dirty="0">
+              <a:solidFill>
+                <a:schemeClr val="tx1"/>
+              </a:solidFill>
+              <a:effectLst/>
+              <a:latin typeface="Arial" panose="020B0604020202020204" pitchFamily="34" charset="0"/>
+              <a:cs typeface="Arial" panose="020B0604020202020204" pitchFamily="34" charset="0"/>
+            </a:endParaRPr>
+          </a:p>
+          <a:p>
+            <a:pPr marL="285750" indent="-285750" algn="l">
+              <a:buFont typeface="Arial" panose="020B0604020202020204" pitchFamily="34" charset="0"/>
+              <a:buChar char="•"/>
+            </a:pPr>
+            <a:r>
+              <a:rPr lang="en-US" b="0" i="0" dirty="0">
+                <a:solidFill>
+                  <a:schemeClr val="tx1"/>
+                </a:solidFill>
+                <a:effectLst/>
+                <a:latin typeface="Arial" panose="020B0604020202020204" pitchFamily="34" charset="0"/>
+                <a:cs typeface="Arial" panose="020B0604020202020204" pitchFamily="34" charset="0"/>
+              </a:rPr>
+              <a:t>Increasing gate voltage lowers </a:t>
+            </a:r>
+            <a:r>
+              <a:rPr lang="en-US" b="0" i="0" dirty="0" err="1">
+                <a:solidFill>
+                  <a:schemeClr val="tx1"/>
+                </a:solidFill>
+                <a:effectLst/>
+                <a:latin typeface="Arial" panose="020B0604020202020204" pitchFamily="34" charset="0"/>
+                <a:cs typeface="Arial" panose="020B0604020202020204" pitchFamily="34" charset="0"/>
+              </a:rPr>
+              <a:t>V</a:t>
+            </a:r>
+            <a:r>
+              <a:rPr lang="en-US" b="0" i="0" baseline="-25000" dirty="0" err="1">
+                <a:solidFill>
+                  <a:schemeClr val="tx1"/>
+                </a:solidFill>
+                <a:effectLst/>
+                <a:latin typeface="Arial" panose="020B0604020202020204" pitchFamily="34" charset="0"/>
+                <a:cs typeface="Arial" panose="020B0604020202020204" pitchFamily="34" charset="0"/>
+              </a:rPr>
+              <a:t>c</a:t>
+            </a:r>
+            <a:r>
+              <a:rPr lang="en-US" b="0" i="0" dirty="0">
+                <a:solidFill>
+                  <a:schemeClr val="tx1"/>
+                </a:solidFill>
+                <a:effectLst/>
+                <a:latin typeface="Arial" panose="020B0604020202020204" pitchFamily="34" charset="0"/>
+                <a:cs typeface="Arial" panose="020B0604020202020204" pitchFamily="34" charset="0"/>
+              </a:rPr>
+              <a:t>, showing that gate-induced carriers pre-fill traps.</a:t>
+            </a:r>
+          </a:p>
+          <a:p>
+            <a:pPr marL="285750" indent="-285750" algn="l">
+              <a:buFont typeface="Arial" panose="020B0604020202020204" pitchFamily="34" charset="0"/>
+              <a:buChar char="•"/>
+            </a:pPr>
+            <a:r>
+              <a:rPr lang="en-US" b="0" i="0" dirty="0">
+                <a:solidFill>
+                  <a:schemeClr val="tx1"/>
+                </a:solidFill>
+                <a:effectLst/>
+                <a:latin typeface="Arial" panose="020B0604020202020204" pitchFamily="34" charset="0"/>
+                <a:cs typeface="Arial" panose="020B0604020202020204" pitchFamily="34" charset="0"/>
+              </a:rPr>
+              <a:t>The trap states likely originate from bulk MoS₂ disorder (sulfur vacancies, oxidation, structural inhomogeneity) rather than just substrate effects.</a:t>
+            </a:r>
+            <a:br>
+              <a:rPr lang="en-US" dirty="0">
+                <a:solidFill>
+                  <a:schemeClr val="tx1"/>
+                </a:solidFill>
+                <a:latin typeface="Arial" panose="020B0604020202020204" pitchFamily="34" charset="0"/>
+                <a:cs typeface="Arial" panose="020B0604020202020204" pitchFamily="34" charset="0"/>
+              </a:rPr>
+            </a:br>
+            <a:endParaRPr lang="en-TW" dirty="0">
+              <a:solidFill>
+                <a:schemeClr val="tx1"/>
+              </a:solidFill>
+              <a:latin typeface="Arial" panose="020B0604020202020204" pitchFamily="34" charset="0"/>
+              <a:cs typeface="Arial" panose="020B0604020202020204" pitchFamily="34" charset="0"/>
+            </a:endParaRPr>
+          </a:p>
+        </p:txBody>
+      </p:sp>
+    </p:spTree>
+    <p:extLst>
+      <p:ext uri="{BB962C8B-B14F-4D97-AF65-F5344CB8AC3E}">
+        <p14:creationId xmlns:p14="http://schemas.microsoft.com/office/powerpoint/2010/main" val="2947186410"/>
+      </p:ext>
+    </p:extLst>
+  </p:cSld>
+  <p:clrMapOvr>
+    <a:masterClrMapping/>
+  </p:clrMapOvr>
+</p:sld>
+</file>
+
+<file path=ppt/slides/slide4.xml><?xml version="1.0" encoding="utf-8"?>
+<p:sld xmlns:a="http://schemas.openxmlformats.org/drawingml/2006/main" xmlns:r="http://schemas.openxmlformats.org/officeDocument/2006/relationships" xmlns:p="http://schemas.openxmlformats.org/presentationml/2006/main">
+  <p:cSld>
+    <p:spTree>
+      <p:nvGrpSpPr>
+        <p:cNvPr id="1" name=""/>
+        <p:cNvGrpSpPr/>
+        <p:nvPr/>
+      </p:nvGrpSpPr>
+      <p:grpSpPr>
+        <a:xfrm>
+          <a:off x="0" y="0"/>
+          <a:ext cx="0" cy="0"/>
+          <a:chOff x="0" y="0"/>
+          <a:chExt cx="0" cy="0"/>
+        </a:xfrm>
+      </p:grpSpPr>
+      <p:sp>
+        <p:nvSpPr>
+          <p:cNvPr id="2" name="Title 1">
+            <a:extLst>
+              <a:ext uri="{FF2B5EF4-FFF2-40B4-BE49-F238E27FC236}">
                 <a16:creationId xmlns:a16="http://schemas.microsoft.com/office/drawing/2014/main" id="{493626E0-D021-FC0B-BD5D-D31BB785DA52}"/>
               </a:ext>
             </a:extLst>
@@ -8517,7 +8970,7 @@
           <a:p>
             <a:fld id="{175AB40A-6F6A-5242-A6C9-9F9EE9C053B1}" type="slidenum">
               <a:rPr lang="en-TW" smtClean="0"/>
-              <a:t>3</a:t>
+              <a:t>4</a:t>
             </a:fld>
             <a:endParaRPr lang="en-TW"/>
           </a:p>
@@ -8545,8 +8998,8 @@
         </p:blipFill>
         <p:spPr>
           <a:xfrm>
-            <a:off x="166254" y="598740"/>
-            <a:ext cx="5929547" cy="4115041"/>
+            <a:off x="11854" y="591834"/>
+            <a:ext cx="5623103" cy="3902372"/>
           </a:xfrm>
           <a:prstGeom prst="rect">
             <a:avLst/>
@@ -8567,8 +9020,8 @@
         </p:nvSpPr>
         <p:spPr>
           <a:xfrm>
-            <a:off x="5829863" y="716780"/>
-            <a:ext cx="1522675" cy="307777"/>
+            <a:off x="3581358" y="211029"/>
+            <a:ext cx="1981283" cy="307777"/>
           </a:xfrm>
           <a:prstGeom prst="rect">
             <a:avLst/>
@@ -8587,73 +9040,15 @@
                   <a:srgbClr val="657B83"/>
                 </a:solidFill>
                 <a:effectLst/>
-                <a:latin typeface="-apple-system"/>
+                <a:latin typeface="Arial" panose="020B0604020202020204" pitchFamily="34" charset="0"/>
+                <a:cs typeface="Arial" panose="020B0604020202020204" pitchFamily="34" charset="0"/>
               </a:rPr>
               <a:t>Inset: SEM image</a:t>
             </a:r>
-            <a:endParaRPr lang="en-TW" dirty="0"/>
-          </a:p>
-        </p:txBody>
-      </p:sp>
-      <p:sp>
-        <p:nvSpPr>
-          <p:cNvPr id="8" name="TextBox 7">
-            <a:extLst>
-              <a:ext uri="{FF2B5EF4-FFF2-40B4-BE49-F238E27FC236}">
-                <a16:creationId xmlns:a16="http://schemas.microsoft.com/office/drawing/2014/main" id="{4496687E-8E56-BD76-C657-9258260043D2}"/>
-              </a:ext>
-            </a:extLst>
-          </p:cNvPr>
-          <p:cNvSpPr txBox="1"/>
-          <p:nvPr/>
-        </p:nvSpPr>
-        <p:spPr>
-          <a:xfrm>
-            <a:off x="783203" y="1761997"/>
-            <a:ext cx="2866445" cy="523220"/>
-          </a:xfrm>
-          <a:prstGeom prst="rect">
-            <a:avLst/>
-          </a:prstGeom>
-          <a:noFill/>
-        </p:spPr>
-        <p:txBody>
-          <a:bodyPr wrap="square">
-            <a:spAutoFit/>
-          </a:bodyPr>
-          <a:lstStyle/>
-          <a:p>
-            <a:r>
-              <a:rPr lang="en-US" b="0" i="0" dirty="0">
-                <a:solidFill>
-                  <a:srgbClr val="657B83"/>
-                </a:solidFill>
-                <a:effectLst/>
-                <a:latin typeface="-apple-system"/>
-              </a:rPr>
-              <a:t>two-probe single-layer MoS₂ device on Si/</a:t>
-            </a:r>
-            <a:r>
-              <a:rPr lang="en-US" b="0" i="0" dirty="0" err="1">
-                <a:solidFill>
-                  <a:srgbClr val="657B83"/>
-                </a:solidFill>
-                <a:effectLst/>
-                <a:latin typeface="-apple-system"/>
-              </a:rPr>
-              <a:t>SiO</a:t>
-            </a:r>
-            <a:r>
-              <a:rPr lang="en-US" b="0" i="0" dirty="0">
-                <a:solidFill>
-                  <a:srgbClr val="657B83"/>
-                </a:solidFill>
-                <a:effectLst/>
-                <a:latin typeface="-apple-system"/>
-              </a:rPr>
-              <a:t>₂ with Au contacts</a:t>
-            </a:r>
-            <a:endParaRPr lang="en-TW" dirty="0"/>
+            <a:endParaRPr lang="en-TW" dirty="0">
+              <a:latin typeface="Arial" panose="020B0604020202020204" pitchFamily="34" charset="0"/>
+              <a:cs typeface="Arial" panose="020B0604020202020204" pitchFamily="34" charset="0"/>
+            </a:endParaRPr>
           </a:p>
         </p:txBody>
       </p:sp>
@@ -8671,8 +9066,8 @@
         </p:nvSpPr>
         <p:spPr>
           <a:xfrm>
-            <a:off x="584422" y="4443633"/>
-            <a:ext cx="4572000" cy="738664"/>
+            <a:off x="584422" y="4372084"/>
+            <a:ext cx="3204914" cy="738664"/>
           </a:xfrm>
           <a:prstGeom prst="rect">
             <a:avLst/>
@@ -8691,21 +9086,32 @@
                   <a:srgbClr val="657B83"/>
                 </a:solidFill>
                 <a:effectLst/>
-                <a:latin typeface="-apple-system"/>
+                <a:latin typeface="Arial" panose="020B0604020202020204" pitchFamily="34" charset="0"/>
+                <a:cs typeface="Arial" panose="020B0604020202020204" pitchFamily="34" charset="0"/>
               </a:rPr>
-              <a:t>I–V curves at room T for different VBG. </a:t>
+              <a:t>I–V curves at room T for different V</a:t>
             </a:r>
-          </a:p>
-          <a:p>
+            <a:r>
+              <a:rPr lang="en-US" b="0" i="0" baseline="-25000" dirty="0">
+                <a:solidFill>
+                  <a:srgbClr val="657B83"/>
+                </a:solidFill>
+                <a:effectLst/>
+                <a:latin typeface="Arial" panose="020B0604020202020204" pitchFamily="34" charset="0"/>
+                <a:cs typeface="Arial" panose="020B0604020202020204" pitchFamily="34" charset="0"/>
+              </a:rPr>
+              <a:t>BG</a:t>
+            </a:r>
             <a:r>
               <a:rPr lang="en-US" b="0" i="0" dirty="0">
                 <a:solidFill>
                   <a:srgbClr val="657B83"/>
                 </a:solidFill>
                 <a:effectLst/>
-                <a:latin typeface="-apple-system"/>
+                <a:latin typeface="Arial" panose="020B0604020202020204" pitchFamily="34" charset="0"/>
+                <a:cs typeface="Arial" panose="020B0604020202020204" pitchFamily="34" charset="0"/>
               </a:rPr>
-              <a:t>Linear and symmetric at low VDS, </a:t>
+              <a:t> </a:t>
             </a:r>
           </a:p>
           <a:p>
@@ -8715,11 +9121,50 @@
                   <a:srgbClr val="657B83"/>
                 </a:solidFill>
                 <a:effectLst/>
-                <a:latin typeface="-apple-system"/>
+                <a:latin typeface="Arial" panose="020B0604020202020204" pitchFamily="34" charset="0"/>
+                <a:cs typeface="Arial" panose="020B0604020202020204" pitchFamily="34" charset="0"/>
               </a:rPr>
-              <a:t>showing quasi-ohmic contacts.</a:t>
+              <a:t>Linear and symmetric at low V</a:t>
             </a:r>
-            <a:endParaRPr lang="en-TW" dirty="0"/>
+            <a:r>
+              <a:rPr lang="en-US" b="0" i="0" baseline="-25000" dirty="0">
+                <a:solidFill>
+                  <a:srgbClr val="657B83"/>
+                </a:solidFill>
+                <a:effectLst/>
+                <a:latin typeface="Arial" panose="020B0604020202020204" pitchFamily="34" charset="0"/>
+                <a:cs typeface="Arial" panose="020B0604020202020204" pitchFamily="34" charset="0"/>
+              </a:rPr>
+              <a:t>DS</a:t>
+            </a:r>
+            <a:r>
+              <a:rPr lang="en-US" b="0" i="0" dirty="0">
+                <a:solidFill>
+                  <a:srgbClr val="657B83"/>
+                </a:solidFill>
+                <a:effectLst/>
+                <a:latin typeface="Arial" panose="020B0604020202020204" pitchFamily="34" charset="0"/>
+                <a:cs typeface="Arial" panose="020B0604020202020204" pitchFamily="34" charset="0"/>
+              </a:rPr>
+              <a:t>, </a:t>
+            </a:r>
+          </a:p>
+          <a:p>
+            <a:r>
+              <a:rPr lang="en-US" b="0" i="0" dirty="0">
+                <a:solidFill>
+                  <a:srgbClr val="657B83"/>
+                </a:solidFill>
+                <a:effectLst/>
+                <a:latin typeface="Arial" panose="020B0604020202020204" pitchFamily="34" charset="0"/>
+                <a:cs typeface="Arial" panose="020B0604020202020204" pitchFamily="34" charset="0"/>
+              </a:rPr>
+              <a:t>showing quasi-ohmic contacts</a:t>
+            </a:r>
+            <a:endParaRPr lang="en-TW" dirty="0">
+              <a:latin typeface="Arial" panose="020B0604020202020204" pitchFamily="34" charset="0"/>
+              <a:cs typeface="Arial" panose="020B0604020202020204" pitchFamily="34" charset="0"/>
+            </a:endParaRPr>
           </a:p>
         </p:txBody>
       </p:sp>
@@ -8737,8 +9182,8 @@
         </p:nvSpPr>
         <p:spPr>
           <a:xfrm>
-            <a:off x="5829863" y="2499837"/>
-            <a:ext cx="3363401" cy="738664"/>
+            <a:off x="5385661" y="2233309"/>
+            <a:ext cx="3540381" cy="738664"/>
           </a:xfrm>
           <a:prstGeom prst="rect">
             <a:avLst/>
@@ -8757,53 +9202,57 @@
                   <a:srgbClr val="657B83"/>
                 </a:solidFill>
                 <a:effectLst/>
-                <a:latin typeface="-apple-system"/>
+                <a:latin typeface="Arial" panose="020B0604020202020204" pitchFamily="34" charset="0"/>
+                <a:cs typeface="Arial" panose="020B0604020202020204" pitchFamily="34" charset="0"/>
               </a:rPr>
-              <a:t>I–V curves at VBG=0 V across different T. Nonlinearity increases as T decreases, excluding Schottky/tunneling effects.</a:t>
+              <a:t>I–V curves at V</a:t>
             </a:r>
-            <a:endParaRPr lang="en-TW" dirty="0"/>
-          </a:p>
-        </p:txBody>
-      </p:sp>
-      <p:sp>
-        <p:nvSpPr>
-          <p:cNvPr id="14" name="TextBox 13">
-            <a:extLst>
-              <a:ext uri="{FF2B5EF4-FFF2-40B4-BE49-F238E27FC236}">
-                <a16:creationId xmlns:a16="http://schemas.microsoft.com/office/drawing/2014/main" id="{F4F14887-9AC8-B8F3-79C0-13C3FB377F46}"/>
-              </a:ext>
-            </a:extLst>
-          </p:cNvPr>
-          <p:cNvSpPr txBox="1"/>
-          <p:nvPr/>
-        </p:nvSpPr>
-        <p:spPr>
-          <a:xfrm>
-            <a:off x="3872285" y="4640261"/>
-            <a:ext cx="4595854" cy="307777"/>
-          </a:xfrm>
-          <a:prstGeom prst="rect">
-            <a:avLst/>
-          </a:prstGeom>
-          <a:noFill/>
-        </p:spPr>
-        <p:txBody>
-          <a:bodyPr wrap="square">
-            <a:spAutoFit/>
-          </a:bodyPr>
-          <a:lstStyle/>
-          <a:p>
+            <a:r>
+              <a:rPr lang="en-US" b="0" i="0" baseline="-25000" dirty="0">
+                <a:solidFill>
+                  <a:srgbClr val="657B83"/>
+                </a:solidFill>
+                <a:effectLst/>
+                <a:latin typeface="Arial" panose="020B0604020202020204" pitchFamily="34" charset="0"/>
+                <a:cs typeface="Arial" panose="020B0604020202020204" pitchFamily="34" charset="0"/>
+              </a:rPr>
+              <a:t>BG </a:t>
+            </a:r>
             <a:r>
               <a:rPr lang="en-US" b="0" i="0" dirty="0">
                 <a:solidFill>
                   <a:srgbClr val="657B83"/>
                 </a:solidFill>
                 <a:effectLst/>
-                <a:latin typeface="-apple-system"/>
+                <a:latin typeface="Arial" panose="020B0604020202020204" pitchFamily="34" charset="0"/>
+                <a:cs typeface="Arial" panose="020B0604020202020204" pitchFamily="34" charset="0"/>
               </a:rPr>
-              <a:t>nonlinearity arises from SCLC</a:t>
+              <a:t>= 0 V across different T</a:t>
             </a:r>
-            <a:endParaRPr lang="en-TW" dirty="0"/>
+            <a:endParaRPr lang="en-US" dirty="0">
+              <a:solidFill>
+                <a:srgbClr val="657B83"/>
+              </a:solidFill>
+              <a:latin typeface="Arial" panose="020B0604020202020204" pitchFamily="34" charset="0"/>
+              <a:cs typeface="Arial" panose="020B0604020202020204" pitchFamily="34" charset="0"/>
+            </a:endParaRPr>
+          </a:p>
+          <a:p>
+            <a:r>
+              <a:rPr lang="en-US" b="0" i="0" dirty="0">
+                <a:solidFill>
+                  <a:srgbClr val="657B83"/>
+                </a:solidFill>
+                <a:effectLst/>
+                <a:latin typeface="Arial" panose="020B0604020202020204" pitchFamily="34" charset="0"/>
+                <a:cs typeface="Arial" panose="020B0604020202020204" pitchFamily="34" charset="0"/>
+              </a:rPr>
+              <a:t>Nonlinearity increases as T decreases, excluding Schottky/tunneling effects.</a:t>
+            </a:r>
+            <a:endParaRPr lang="en-TW" dirty="0">
+              <a:latin typeface="Arial" panose="020B0604020202020204" pitchFamily="34" charset="0"/>
+              <a:cs typeface="Arial" panose="020B0604020202020204" pitchFamily="34" charset="0"/>
+            </a:endParaRPr>
           </a:p>
         </p:txBody>
       </p:sp>
@@ -8821,7 +9270,7 @@
         </p:nvSpPr>
         <p:spPr>
           <a:xfrm>
-            <a:off x="6281530" y="3625795"/>
+            <a:off x="5886323" y="3267083"/>
             <a:ext cx="1329210" cy="738664"/>
           </a:xfrm>
           <a:prstGeom prst="rect">
@@ -8859,6 +9308,52 @@
               <a:rPr lang="en-TW" dirty="0"/>
               <a:t>Au: 4.5 eV </a:t>
             </a:r>
+          </a:p>
+        </p:txBody>
+      </p:sp>
+      <p:sp>
+        <p:nvSpPr>
+          <p:cNvPr id="7" name="TextBox 6">
+            <a:extLst>
+              <a:ext uri="{FF2B5EF4-FFF2-40B4-BE49-F238E27FC236}">
+                <a16:creationId xmlns:a16="http://schemas.microsoft.com/office/drawing/2014/main" id="{DEA6AD14-B8E0-6D63-94B7-76B8F41D8ECB}"/>
+              </a:ext>
+            </a:extLst>
+          </p:cNvPr>
+          <p:cNvSpPr txBox="1"/>
+          <p:nvPr/>
+        </p:nvSpPr>
+        <p:spPr>
+          <a:xfrm>
+            <a:off x="5384565" y="2922792"/>
+            <a:ext cx="2730735" cy="307777"/>
+          </a:xfrm>
+          <a:prstGeom prst="rect">
+            <a:avLst/>
+          </a:prstGeom>
+          <a:noFill/>
+        </p:spPr>
+        <p:txBody>
+          <a:bodyPr wrap="square">
+            <a:spAutoFit/>
+          </a:bodyPr>
+          <a:lstStyle/>
+          <a:p>
+            <a:r>
+              <a:rPr lang="en-US" b="0" i="0" dirty="0">
+                <a:solidFill>
+                  <a:srgbClr val="657B83"/>
+                </a:solidFill>
+                <a:effectLst/>
+                <a:latin typeface="Arial" panose="020B0604020202020204" pitchFamily="34" charset="0"/>
+                <a:cs typeface="Arial" panose="020B0604020202020204" pitchFamily="34" charset="0"/>
+              </a:rPr>
+              <a:t>(nonlinearity arises from SCLC)</a:t>
+            </a:r>
+            <a:endParaRPr lang="en-TW" dirty="0">
+              <a:latin typeface="Arial" panose="020B0604020202020204" pitchFamily="34" charset="0"/>
+              <a:cs typeface="Arial" panose="020B0604020202020204" pitchFamily="34" charset="0"/>
+            </a:endParaRPr>
           </a:p>
         </p:txBody>
       </p:sp>
@@ -8875,7 +9370,7 @@
 </p:sld>
 </file>
 
-<file path=ppt/slides/slide4.xml><?xml version="1.0" encoding="utf-8"?>
+<file path=ppt/slides/slide5.xml><?xml version="1.0" encoding="utf-8"?>
 <p:sld xmlns:a="http://schemas.openxmlformats.org/drawingml/2006/main" xmlns:r="http://schemas.openxmlformats.org/officeDocument/2006/relationships" xmlns:p="http://schemas.openxmlformats.org/presentationml/2006/main">
   <p:cSld>
     <p:spTree>
@@ -8940,7 +9435,7 @@
           <a:p>
             <a:fld id="{175AB40A-6F6A-5242-A6C9-9F9EE9C053B1}" type="slidenum">
               <a:rPr lang="en-TW" smtClean="0"/>
-              <a:t>4</a:t>
+              <a:t>5</a:t>
             </a:fld>
             <a:endParaRPr lang="en-TW"/>
           </a:p>
@@ -9031,7 +9526,7 @@
 </p:sld>
 </file>
 
-<file path=ppt/slides/slide5.xml><?xml version="1.0" encoding="utf-8"?>
+<file path=ppt/slides/slide6.xml><?xml version="1.0" encoding="utf-8"?>
 <p:sld xmlns:a="http://schemas.openxmlformats.org/drawingml/2006/main" xmlns:r="http://schemas.openxmlformats.org/officeDocument/2006/relationships" xmlns:p="http://schemas.openxmlformats.org/presentationml/2006/main">
   <p:cSld>
     <p:spTree>
@@ -9099,7 +9594,7 @@
           <a:p>
             <a:fld id="{175AB40A-6F6A-5242-A6C9-9F9EE9C053B1}" type="slidenum">
               <a:rPr lang="en-TW" smtClean="0"/>
-              <a:t>5</a:t>
+              <a:t>6</a:t>
             </a:fld>
             <a:endParaRPr lang="en-TW"/>
           </a:p>
@@ -9673,7 +10168,7 @@
 </p:sld>
 </file>
 
-<file path=ppt/slides/slide6.xml><?xml version="1.0" encoding="utf-8"?>
+<file path=ppt/slides/slide7.xml><?xml version="1.0" encoding="utf-8"?>
 <p:sld xmlns:a="http://schemas.openxmlformats.org/drawingml/2006/main" xmlns:r="http://schemas.openxmlformats.org/officeDocument/2006/relationships" xmlns:p="http://schemas.openxmlformats.org/presentationml/2006/main">
   <p:cSld>
     <p:spTree>
@@ -9741,7 +10236,7 @@
           <a:p>
             <a:fld id="{175AB40A-6F6A-5242-A6C9-9F9EE9C053B1}" type="slidenum">
               <a:rPr lang="en-TW" smtClean="0"/>
-              <a:t>6</a:t>
+              <a:t>7</a:t>
             </a:fld>
             <a:endParaRPr lang="en-TW"/>
           </a:p>
@@ -9962,7 +10457,91 @@
 </p:sld>
 </file>
 
-<file path=ppt/slides/slide7.xml><?xml version="1.0" encoding="utf-8"?>
+<file path=ppt/slides/slide8.xml><?xml version="1.0" encoding="utf-8"?>
+<p:sld xmlns:a="http://schemas.openxmlformats.org/drawingml/2006/main" xmlns:r="http://schemas.openxmlformats.org/officeDocument/2006/relationships" xmlns:p="http://schemas.openxmlformats.org/presentationml/2006/main">
+  <p:cSld>
+    <p:spTree>
+      <p:nvGrpSpPr>
+        <p:cNvPr id="1" name=""/>
+        <p:cNvGrpSpPr/>
+        <p:nvPr/>
+      </p:nvGrpSpPr>
+      <p:grpSpPr>
+        <a:xfrm>
+          <a:off x="0" y="0"/>
+          <a:ext cx="0" cy="0"/>
+          <a:chOff x="0" y="0"/>
+          <a:chExt cx="0" cy="0"/>
+        </a:xfrm>
+      </p:grpSpPr>
+      <p:sp>
+        <p:nvSpPr>
+          <p:cNvPr id="2" name="Title 1">
+            <a:extLst>
+              <a:ext uri="{FF2B5EF4-FFF2-40B4-BE49-F238E27FC236}">
+                <a16:creationId xmlns:a16="http://schemas.microsoft.com/office/drawing/2014/main" id="{D29EC064-E9C9-AD37-1DF7-DDA711DD6B64}"/>
+              </a:ext>
+            </a:extLst>
+          </p:cNvPr>
+          <p:cNvSpPr>
+            <a:spLocks noGrp="1"/>
+          </p:cNvSpPr>
+          <p:nvPr>
+            <p:ph type="title"/>
+          </p:nvPr>
+        </p:nvSpPr>
+        <p:spPr/>
+        <p:txBody>
+          <a:bodyPr/>
+          <a:lstStyle/>
+          <a:p>
+            <a:endParaRPr lang="en-TW"/>
+          </a:p>
+        </p:txBody>
+      </p:sp>
+      <p:sp>
+        <p:nvSpPr>
+          <p:cNvPr id="3" name="Slide Number Placeholder 2">
+            <a:extLst>
+              <a:ext uri="{FF2B5EF4-FFF2-40B4-BE49-F238E27FC236}">
+                <a16:creationId xmlns:a16="http://schemas.microsoft.com/office/drawing/2014/main" id="{A762C194-56F8-B096-9BDB-68BBF35F2B14}"/>
+              </a:ext>
+            </a:extLst>
+          </p:cNvPr>
+          <p:cNvSpPr>
+            <a:spLocks noGrp="1"/>
+          </p:cNvSpPr>
+          <p:nvPr>
+            <p:ph type="sldNum" sz="quarter" idx="12"/>
+          </p:nvPr>
+        </p:nvSpPr>
+        <p:spPr/>
+        <p:txBody>
+          <a:bodyPr/>
+          <a:lstStyle/>
+          <a:p>
+            <a:fld id="{175AB40A-6F6A-5242-A6C9-9F9EE9C053B1}" type="slidenum">
+              <a:rPr lang="en-TW" smtClean="0"/>
+              <a:t>8</a:t>
+            </a:fld>
+            <a:endParaRPr lang="en-TW"/>
+          </a:p>
+        </p:txBody>
+      </p:sp>
+    </p:spTree>
+    <p:extLst>
+      <p:ext uri="{BB962C8B-B14F-4D97-AF65-F5344CB8AC3E}">
+        <p14:creationId xmlns:p14="http://schemas.microsoft.com/office/powerpoint/2010/main" val="3872155252"/>
+      </p:ext>
+    </p:extLst>
+  </p:cSld>
+  <p:clrMapOvr>
+    <a:masterClrMapping/>
+  </p:clrMapOvr>
+</p:sld>
+</file>
+
+<file path=ppt/slides/slide9.xml><?xml version="1.0" encoding="utf-8"?>
 <p:sld xmlns:a="http://schemas.openxmlformats.org/drawingml/2006/main" xmlns:r="http://schemas.openxmlformats.org/officeDocument/2006/relationships" xmlns:p="http://schemas.openxmlformats.org/presentationml/2006/main">
   <p:cSld>
     <p:spTree>
@@ -10044,7 +10623,7 @@
             <a:fld id="{175AB40A-6F6A-5242-A6C9-9F9EE9C053B1}" type="slidenum">
               <a:rPr lang="en-TW" smtClean="0"/>
               <a:pPr/>
-              <a:t>7</a:t>
+              <a:t>9</a:t>
             </a:fld>
             <a:endParaRPr lang="en-TW"/>
           </a:p>
